--- a/design/Presentation.pptx
+++ b/design/Presentation.pptx
@@ -7816,7 +7816,7 @@
           <a:lstStyle/>
           <a:p>
             <a:r>
-              <a:rPr lang="en-US" sz="4800" b="0" i="0" kern="1200">
+              <a:rPr lang="en-US" sz="4800" b="0" i="0" kern="1200" dirty="0">
                 <a:solidFill>
                   <a:srgbClr val="EBEBEB"/>
                 </a:solidFill>
@@ -7906,13 +7906,10 @@
         <p:spPr/>
         <p:txBody>
           <a:bodyPr>
-            <a:normAutofit lnSpcReduction="10000"/>
+            <a:normAutofit/>
           </a:bodyPr>
           <a:lstStyle/>
           <a:p>
-            <a:pPr marL="0" indent="0">
-              <a:buNone/>
-            </a:pPr>
             <a:r>
               <a:rPr lang="en-ZA" dirty="0"/>
               <a:t>Client (Behaviour upon Inclusion):</a:t>
@@ -7949,13 +7946,12 @@
             <a:pPr lvl="1"/>
             <a:r>
               <a:rPr lang="en-ZA" dirty="0"/>
-              <a:t>Generators: Define utility functions which return html code by reading and formatting template html files.</a:t>
-            </a:r>
-          </a:p>
-          <a:p>
-            <a:pPr marL="0" indent="0">
-              <a:buNone/>
-            </a:pPr>
+              <a:t>Generators: Define utility functions which return html code by reading and formatting template html </a:t>
+            </a:r>
+            <a:r>
+              <a:rPr lang="en-ZA"/>
+              <a:t>files.</a:t>
+            </a:r>
             <a:endParaRPr lang="en-ZA" dirty="0"/>
           </a:p>
           <a:p>
